--- a/Kubernetes/Kubernetes.pptx
+++ b/Kubernetes/Kubernetes.pptx
@@ -9,6 +9,8 @@
     <p:sldId id="257" r:id="rId3"/>
     <p:sldId id="259" r:id="rId4"/>
     <p:sldId id="258" r:id="rId5"/>
+    <p:sldId id="260" r:id="rId6"/>
+    <p:sldId id="261" r:id="rId7"/>
   </p:sldIdLst>
   <p:sldSz cx="12192000" cy="6858000"/>
   <p:notesSz cx="6858000" cy="9144000"/>
@@ -107,6 +109,11 @@
       </a:defRPr>
     </a:lvl9pPr>
   </p:defaultTextStyle>
+  <p:extLst>
+    <p:ext uri="{EFAFB233-063F-42B5-8137-9DF3F51BA10A}">
+      <p15:sldGuideLst xmlns:p15="http://schemas.microsoft.com/office/powerpoint/2012/main"/>
+    </p:ext>
+  </p:extLst>
 </p:presentation>
 </file>
 
@@ -259,7 +266,7 @@
           <a:p>
             <a:fld id="{0B4EE844-5F47-4A4F-9F55-3A1928F7720E}" type="datetimeFigureOut">
               <a:rPr lang="en-IN" smtClean="0"/>
-              <a:t>02-11-2022</a:t>
+              <a:t>03-11-2022</a:t>
             </a:fld>
             <a:endParaRPr lang="en-IN"/>
           </a:p>
@@ -459,7 +466,7 @@
           <a:p>
             <a:fld id="{0B4EE844-5F47-4A4F-9F55-3A1928F7720E}" type="datetimeFigureOut">
               <a:rPr lang="en-IN" smtClean="0"/>
-              <a:t>02-11-2022</a:t>
+              <a:t>03-11-2022</a:t>
             </a:fld>
             <a:endParaRPr lang="en-IN"/>
           </a:p>
@@ -669,7 +676,7 @@
           <a:p>
             <a:fld id="{0B4EE844-5F47-4A4F-9F55-3A1928F7720E}" type="datetimeFigureOut">
               <a:rPr lang="en-IN" smtClean="0"/>
-              <a:t>02-11-2022</a:t>
+              <a:t>03-11-2022</a:t>
             </a:fld>
             <a:endParaRPr lang="en-IN"/>
           </a:p>
@@ -869,7 +876,7 @@
           <a:p>
             <a:fld id="{0B4EE844-5F47-4A4F-9F55-3A1928F7720E}" type="datetimeFigureOut">
               <a:rPr lang="en-IN" smtClean="0"/>
-              <a:t>02-11-2022</a:t>
+              <a:t>03-11-2022</a:t>
             </a:fld>
             <a:endParaRPr lang="en-IN"/>
           </a:p>
@@ -1145,7 +1152,7 @@
           <a:p>
             <a:fld id="{0B4EE844-5F47-4A4F-9F55-3A1928F7720E}" type="datetimeFigureOut">
               <a:rPr lang="en-IN" smtClean="0"/>
-              <a:t>02-11-2022</a:t>
+              <a:t>03-11-2022</a:t>
             </a:fld>
             <a:endParaRPr lang="en-IN"/>
           </a:p>
@@ -1413,7 +1420,7 @@
           <a:p>
             <a:fld id="{0B4EE844-5F47-4A4F-9F55-3A1928F7720E}" type="datetimeFigureOut">
               <a:rPr lang="en-IN" smtClean="0"/>
-              <a:t>02-11-2022</a:t>
+              <a:t>03-11-2022</a:t>
             </a:fld>
             <a:endParaRPr lang="en-IN"/>
           </a:p>
@@ -1828,7 +1835,7 @@
           <a:p>
             <a:fld id="{0B4EE844-5F47-4A4F-9F55-3A1928F7720E}" type="datetimeFigureOut">
               <a:rPr lang="en-IN" smtClean="0"/>
-              <a:t>02-11-2022</a:t>
+              <a:t>03-11-2022</a:t>
             </a:fld>
             <a:endParaRPr lang="en-IN"/>
           </a:p>
@@ -1970,7 +1977,7 @@
           <a:p>
             <a:fld id="{0B4EE844-5F47-4A4F-9F55-3A1928F7720E}" type="datetimeFigureOut">
               <a:rPr lang="en-IN" smtClean="0"/>
-              <a:t>02-11-2022</a:t>
+              <a:t>03-11-2022</a:t>
             </a:fld>
             <a:endParaRPr lang="en-IN"/>
           </a:p>
@@ -2083,7 +2090,7 @@
           <a:p>
             <a:fld id="{0B4EE844-5F47-4A4F-9F55-3A1928F7720E}" type="datetimeFigureOut">
               <a:rPr lang="en-IN" smtClean="0"/>
-              <a:t>02-11-2022</a:t>
+              <a:t>03-11-2022</a:t>
             </a:fld>
             <a:endParaRPr lang="en-IN"/>
           </a:p>
@@ -2396,7 +2403,7 @@
           <a:p>
             <a:fld id="{0B4EE844-5F47-4A4F-9F55-3A1928F7720E}" type="datetimeFigureOut">
               <a:rPr lang="en-IN" smtClean="0"/>
-              <a:t>02-11-2022</a:t>
+              <a:t>03-11-2022</a:t>
             </a:fld>
             <a:endParaRPr lang="en-IN"/>
           </a:p>
@@ -2685,7 +2692,7 @@
           <a:p>
             <a:fld id="{0B4EE844-5F47-4A4F-9F55-3A1928F7720E}" type="datetimeFigureOut">
               <a:rPr lang="en-IN" smtClean="0"/>
-              <a:t>02-11-2022</a:t>
+              <a:t>03-11-2022</a:t>
             </a:fld>
             <a:endParaRPr lang="en-IN"/>
           </a:p>
@@ -2928,7 +2935,7 @@
           <a:p>
             <a:fld id="{0B4EE844-5F47-4A4F-9F55-3A1928F7720E}" type="datetimeFigureOut">
               <a:rPr lang="en-IN" smtClean="0"/>
-              <a:t>02-11-2022</a:t>
+              <a:t>03-11-2022</a:t>
             </a:fld>
             <a:endParaRPr lang="en-IN"/>
           </a:p>
@@ -3933,8 +3940,8 @@
         </p:blipFill>
         <p:spPr>
           <a:xfrm>
-            <a:off x="2485637" y="1863801"/>
-            <a:ext cx="7220725" cy="4440746"/>
+            <a:off x="2485637" y="1863800"/>
+            <a:ext cx="7220725" cy="4536999"/>
           </a:xfrm>
           <a:prstGeom prst="rect">
             <a:avLst/>
@@ -3945,6 +3952,163 @@
     <p:extLst>
       <p:ext uri="{BB962C8B-B14F-4D97-AF65-F5344CB8AC3E}">
         <p14:creationId xmlns:p14="http://schemas.microsoft.com/office/powerpoint/2010/main" val="3319186910"/>
+      </p:ext>
+    </p:extLst>
+  </p:cSld>
+  <p:clrMapOvr>
+    <a:masterClrMapping/>
+  </p:clrMapOvr>
+</p:sld>
+</file>
+
+<file path=ppt/slides/slide5.xml><?xml version="1.0" encoding="utf-8"?>
+<p:sld xmlns:a="http://schemas.openxmlformats.org/drawingml/2006/main" xmlns:r="http://schemas.openxmlformats.org/officeDocument/2006/relationships" xmlns:p="http://schemas.openxmlformats.org/presentationml/2006/main">
+  <p:cSld>
+    <p:bg>
+      <p:bgPr>
+        <a:solidFill>
+          <a:schemeClr val="bg1"/>
+        </a:solidFill>
+        <a:effectLst/>
+      </p:bgPr>
+    </p:bg>
+    <p:spTree>
+      <p:nvGrpSpPr>
+        <p:cNvPr id="1" name=""/>
+        <p:cNvGrpSpPr/>
+        <p:nvPr/>
+      </p:nvGrpSpPr>
+      <p:grpSpPr>
+        <a:xfrm>
+          <a:off x="0" y="0"/>
+          <a:ext cx="0" cy="0"/>
+          <a:chOff x="0" y="0"/>
+          <a:chExt cx="0" cy="0"/>
+        </a:xfrm>
+      </p:grpSpPr>
+      <p:pic>
+        <p:nvPicPr>
+          <p:cNvPr id="2" name="Picture 1">
+            <a:extLst>
+              <a:ext uri="{FF2B5EF4-FFF2-40B4-BE49-F238E27FC236}">
+                <a16:creationId xmlns:a16="http://schemas.microsoft.com/office/drawing/2014/main" id="{098F9239-7C49-F952-F8FB-18ABED4CAB93}"/>
+              </a:ext>
+            </a:extLst>
+          </p:cNvPr>
+          <p:cNvPicPr>
+            <a:picLocks noChangeAspect="1"/>
+          </p:cNvPicPr>
+          <p:nvPr/>
+        </p:nvPicPr>
+        <p:blipFill>
+          <a:blip r:embed="rId2"/>
+          <a:stretch>
+            <a:fillRect/>
+          </a:stretch>
+        </p:blipFill>
+        <p:spPr>
+          <a:xfrm>
+            <a:off x="3310466" y="643466"/>
+            <a:ext cx="5571067" cy="5571067"/>
+          </a:xfrm>
+          <a:prstGeom prst="rect">
+            <a:avLst/>
+          </a:prstGeom>
+        </p:spPr>
+      </p:pic>
+    </p:spTree>
+    <p:extLst>
+      <p:ext uri="{BB962C8B-B14F-4D97-AF65-F5344CB8AC3E}">
+        <p14:creationId xmlns:p14="http://schemas.microsoft.com/office/powerpoint/2010/main" val="4230060319"/>
+      </p:ext>
+    </p:extLst>
+  </p:cSld>
+  <p:clrMapOvr>
+    <a:masterClrMapping/>
+  </p:clrMapOvr>
+</p:sld>
+</file>
+
+<file path=ppt/slides/slide6.xml><?xml version="1.0" encoding="utf-8"?>
+<p:sld xmlns:a="http://schemas.openxmlformats.org/drawingml/2006/main" xmlns:r="http://schemas.openxmlformats.org/officeDocument/2006/relationships" xmlns:p="http://schemas.openxmlformats.org/presentationml/2006/main">
+  <p:cSld>
+    <p:spTree>
+      <p:nvGrpSpPr>
+        <p:cNvPr id="1" name=""/>
+        <p:cNvGrpSpPr/>
+        <p:nvPr/>
+      </p:nvGrpSpPr>
+      <p:grpSpPr>
+        <a:xfrm>
+          <a:off x="0" y="0"/>
+          <a:ext cx="0" cy="0"/>
+          <a:chOff x="0" y="0"/>
+          <a:chExt cx="0" cy="0"/>
+        </a:xfrm>
+      </p:grpSpPr>
+      <p:sp>
+        <p:nvSpPr>
+          <p:cNvPr id="2" name="Rectangle 1">
+            <a:extLst>
+              <a:ext uri="{FF2B5EF4-FFF2-40B4-BE49-F238E27FC236}">
+                <a16:creationId xmlns:a16="http://schemas.microsoft.com/office/drawing/2014/main" id="{16356995-F9CC-4663-9D1F-76F05A610F11}"/>
+              </a:ext>
+            </a:extLst>
+          </p:cNvPr>
+          <p:cNvSpPr/>
+          <p:nvPr/>
+        </p:nvSpPr>
+        <p:spPr>
+          <a:xfrm>
+            <a:off x="3894502" y="2967335"/>
+            <a:ext cx="4403000" cy="923330"/>
+          </a:xfrm>
+          <a:prstGeom prst="rect">
+            <a:avLst/>
+          </a:prstGeom>
+          <a:noFill/>
+        </p:spPr>
+        <p:txBody>
+          <a:bodyPr wrap="none" lIns="91440" tIns="45720" rIns="91440" bIns="45720">
+            <a:spAutoFit/>
+          </a:bodyPr>
+          <a:lstStyle/>
+          <a:p>
+            <a:pPr algn="ctr"/>
+            <a:r>
+              <a:rPr lang="en-US" sz="5400" b="1" cap="none" spc="0" dirty="0">
+                <a:ln w="12700">
+                  <a:solidFill>
+                    <a:schemeClr val="accent1"/>
+                  </a:solidFill>
+                  <a:prstDash val="solid"/>
+                </a:ln>
+                <a:pattFill prst="pct50">
+                  <a:fgClr>
+                    <a:schemeClr val="accent1"/>
+                  </a:fgClr>
+                  <a:bgClr>
+                    <a:schemeClr val="accent1">
+                      <a:lumMod val="20000"/>
+                      <a:lumOff val="80000"/>
+                    </a:schemeClr>
+                  </a:bgClr>
+                </a:pattFill>
+                <a:effectLst>
+                  <a:outerShdw dist="38100" dir="2640000" algn="bl" rotWithShape="0">
+                    <a:schemeClr val="accent1"/>
+                  </a:outerShdw>
+                </a:effectLst>
+              </a:rPr>
+              <a:t>Move to demo</a:t>
+            </a:r>
+          </a:p>
+        </p:txBody>
+      </p:sp>
+    </p:spTree>
+    <p:extLst>
+      <p:ext uri="{BB962C8B-B14F-4D97-AF65-F5344CB8AC3E}">
+        <p14:creationId xmlns:p14="http://schemas.microsoft.com/office/powerpoint/2010/main" val="2681650022"/>
       </p:ext>
     </p:extLst>
   </p:cSld>
